--- a/LurkinurhuwarcuWhawhiweayea/测试.pptx
+++ b/LurkinurhuwarcuWhawhiweayea/测试.pptx
@@ -3334,8 +3334,8 @@
         </p:nvSpPr>
         <p:spPr>
           <a:xfrm>
+            <a:ext cx="914400" cy="914400"/>
             <a:off x="3898669" y="1263535"/>
-            <a:ext cx="914400" cy="914400"/>
           </a:xfrm>
           <a:prstGeom prst="rect">
             <a:avLst/>

--- a/LurkinurhuwarcuWhawhiweayea/测试.pptx
+++ b/LurkinurhuwarcuWhawhiweayea/测试.pptx
@@ -3334,8 +3334,8 @@
         </p:nvSpPr>
         <p:spPr>
           <a:xfrm>
+            <a:off x="3898669" y="1263535"/>
             <a:ext cx="914400" cy="914400"/>
-            <a:off x="3898669" y="1263535"/>
           </a:xfrm>
           <a:prstGeom prst="rect">
             <a:avLst/>
